--- a/Projekt/IKT Projekt - 2023.pptx
+++ b/Projekt/IKT Projekt - 2023.pptx
@@ -309,7 +309,7 @@
           <a:p>
             <a:fld id="{6EA6B5DE-4244-4BAF-9091-D44D2E6C919D}" type="datetimeFigureOut">
               <a:rPr lang="hu-HU" smtClean="0"/>
-              <a:t>2023. 10. 20.</a:t>
+              <a:t>2023. 10. 27.</a:t>
             </a:fld>
             <a:endParaRPr lang="hu-HU"/>
           </a:p>
@@ -745,7 +745,7 @@
           <a:p>
             <a:fld id="{6EA6B5DE-4244-4BAF-9091-D44D2E6C919D}" type="datetimeFigureOut">
               <a:rPr lang="hu-HU" smtClean="0"/>
-              <a:t>2023. 10. 20.</a:t>
+              <a:t>2023. 10. 27.</a:t>
             </a:fld>
             <a:endParaRPr lang="hu-HU"/>
           </a:p>
@@ -995,7 +995,7 @@
           <a:p>
             <a:fld id="{6EA6B5DE-4244-4BAF-9091-D44D2E6C919D}" type="datetimeFigureOut">
               <a:rPr lang="hu-HU" smtClean="0"/>
-              <a:t>2023. 10. 20.</a:t>
+              <a:t>2023. 10. 27.</a:t>
             </a:fld>
             <a:endParaRPr lang="hu-HU"/>
           </a:p>
@@ -1303,7 +1303,7 @@
           <a:p>
             <a:fld id="{6EA6B5DE-4244-4BAF-9091-D44D2E6C919D}" type="datetimeFigureOut">
               <a:rPr lang="hu-HU" smtClean="0"/>
-              <a:t>2023. 10. 20.</a:t>
+              <a:t>2023. 10. 27.</a:t>
             </a:fld>
             <a:endParaRPr lang="hu-HU"/>
           </a:p>
@@ -1621,7 +1621,7 @@
           <a:p>
             <a:fld id="{6EA6B5DE-4244-4BAF-9091-D44D2E6C919D}" type="datetimeFigureOut">
               <a:rPr lang="hu-HU" smtClean="0"/>
-              <a:t>2023. 10. 20.</a:t>
+              <a:t>2023. 10. 27.</a:t>
             </a:fld>
             <a:endParaRPr lang="hu-HU"/>
           </a:p>
@@ -1923,7 +1923,7 @@
           <a:p>
             <a:fld id="{6EA6B5DE-4244-4BAF-9091-D44D2E6C919D}" type="datetimeFigureOut">
               <a:rPr lang="hu-HU" smtClean="0"/>
-              <a:t>2023. 10. 20.</a:t>
+              <a:t>2023. 10. 27.</a:t>
             </a:fld>
             <a:endParaRPr lang="hu-HU"/>
           </a:p>
@@ -2290,7 +2290,7 @@
           <a:p>
             <a:fld id="{6EA6B5DE-4244-4BAF-9091-D44D2E6C919D}" type="datetimeFigureOut">
               <a:rPr lang="hu-HU" smtClean="0"/>
-              <a:t>2023. 10. 20.</a:t>
+              <a:t>2023. 10. 27.</a:t>
             </a:fld>
             <a:endParaRPr lang="hu-HU"/>
           </a:p>
@@ -2464,7 +2464,7 @@
           <a:p>
             <a:fld id="{6EA6B5DE-4244-4BAF-9091-D44D2E6C919D}" type="datetimeFigureOut">
               <a:rPr lang="hu-HU" smtClean="0"/>
-              <a:t>2023. 10. 20.</a:t>
+              <a:t>2023. 10. 27.</a:t>
             </a:fld>
             <a:endParaRPr lang="hu-HU"/>
           </a:p>
@@ -2644,7 +2644,7 @@
           <a:p>
             <a:fld id="{6EA6B5DE-4244-4BAF-9091-D44D2E6C919D}" type="datetimeFigureOut">
               <a:rPr lang="hu-HU" smtClean="0"/>
-              <a:t>2023. 10. 20.</a:t>
+              <a:t>2023. 10. 27.</a:t>
             </a:fld>
             <a:endParaRPr lang="hu-HU"/>
           </a:p>
@@ -2814,7 +2814,7 @@
           <a:p>
             <a:fld id="{6EA6B5DE-4244-4BAF-9091-D44D2E6C919D}" type="datetimeFigureOut">
               <a:rPr lang="hu-HU" smtClean="0"/>
-              <a:t>2023. 10. 20.</a:t>
+              <a:t>2023. 10. 27.</a:t>
             </a:fld>
             <a:endParaRPr lang="hu-HU"/>
           </a:p>
@@ -3064,7 +3064,7 @@
           <a:p>
             <a:fld id="{6EA6B5DE-4244-4BAF-9091-D44D2E6C919D}" type="datetimeFigureOut">
               <a:rPr lang="hu-HU" smtClean="0"/>
-              <a:t>2023. 10. 20.</a:t>
+              <a:t>2023. 10. 27.</a:t>
             </a:fld>
             <a:endParaRPr lang="hu-HU"/>
           </a:p>
@@ -3300,7 +3300,7 @@
           <a:p>
             <a:fld id="{6EA6B5DE-4244-4BAF-9091-D44D2E6C919D}" type="datetimeFigureOut">
               <a:rPr lang="hu-HU" smtClean="0"/>
-              <a:t>2023. 10. 20.</a:t>
+              <a:t>2023. 10. 27.</a:t>
             </a:fld>
             <a:endParaRPr lang="hu-HU"/>
           </a:p>
@@ -3682,7 +3682,7 @@
           <a:p>
             <a:fld id="{6EA6B5DE-4244-4BAF-9091-D44D2E6C919D}" type="datetimeFigureOut">
               <a:rPr lang="hu-HU" smtClean="0"/>
-              <a:t>2023. 10. 20.</a:t>
+              <a:t>2023. 10. 27.</a:t>
             </a:fld>
             <a:endParaRPr lang="hu-HU"/>
           </a:p>
@@ -3800,7 +3800,7 @@
           <a:p>
             <a:fld id="{6EA6B5DE-4244-4BAF-9091-D44D2E6C919D}" type="datetimeFigureOut">
               <a:rPr lang="hu-HU" smtClean="0"/>
-              <a:t>2023. 10. 20.</a:t>
+              <a:t>2023. 10. 27.</a:t>
             </a:fld>
             <a:endParaRPr lang="hu-HU"/>
           </a:p>
@@ -3895,7 +3895,7 @@
           <a:p>
             <a:fld id="{6EA6B5DE-4244-4BAF-9091-D44D2E6C919D}" type="datetimeFigureOut">
               <a:rPr lang="hu-HU" smtClean="0"/>
-              <a:t>2023. 10. 20.</a:t>
+              <a:t>2023. 10. 27.</a:t>
             </a:fld>
             <a:endParaRPr lang="hu-HU"/>
           </a:p>
@@ -4150,7 +4150,7 @@
           <a:p>
             <a:fld id="{6EA6B5DE-4244-4BAF-9091-D44D2E6C919D}" type="datetimeFigureOut">
               <a:rPr lang="hu-HU" smtClean="0"/>
-              <a:t>2023. 10. 20.</a:t>
+              <a:t>2023. 10. 27.</a:t>
             </a:fld>
             <a:endParaRPr lang="hu-HU"/>
           </a:p>
@@ -4433,7 +4433,7 @@
           <a:p>
             <a:fld id="{6EA6B5DE-4244-4BAF-9091-D44D2E6C919D}" type="datetimeFigureOut">
               <a:rPr lang="hu-HU" smtClean="0"/>
-              <a:t>2023. 10. 20.</a:t>
+              <a:t>2023. 10. 27.</a:t>
             </a:fld>
             <a:endParaRPr lang="hu-HU"/>
           </a:p>
@@ -4839,7 +4839,7 @@
           <a:p>
             <a:fld id="{6EA6B5DE-4244-4BAF-9091-D44D2E6C919D}" type="datetimeFigureOut">
               <a:rPr lang="hu-HU" smtClean="0"/>
-              <a:t>2023. 10. 20.</a:t>
+              <a:t>2023. 10. 27.</a:t>
             </a:fld>
             <a:endParaRPr lang="hu-HU"/>
           </a:p>
@@ -5425,7 +5425,7 @@
           <a:p>
             <a:r>
               <a:rPr lang="hu-HU" dirty="0"/>
-              <a:t>Halász Noel, Ábel Dávid Gyula, Maska Máté</a:t>
+              <a:t>Halász Noel, Ábel Dávid Gyula</a:t>
             </a:r>
           </a:p>
         </p:txBody>

--- a/Projekt/IKT Projekt - 2023.pptx
+++ b/Projekt/IKT Projekt - 2023.pptx
@@ -118,6 +118,14 @@
 </p:presentation>
 </file>
 
+<file path=ppt/revisionInfo.xml><?xml version="1.0" encoding="utf-8"?>
+<p1510:revInfo xmlns:a="http://schemas.openxmlformats.org/drawingml/2006/main" xmlns:r="http://schemas.openxmlformats.org/officeDocument/2006/relationships" xmlns:p1510="http://schemas.microsoft.com/office/powerpoint/2015/10/main">
+  <p1510:revLst>
+    <p1510:client id="{846FD843-5379-F20D-909D-E5DC0D2AEB0B}" v="24" dt="2023-11-05T21:17:48.842"/>
+  </p1510:revLst>
+</p1510:revInfo>
+</file>
+
 <file path=ppt/slideLayouts/slideLayout1.xml><?xml version="1.0" encoding="utf-8"?>
 <p:sldLayout xmlns:a="http://schemas.openxmlformats.org/drawingml/2006/main" xmlns:r="http://schemas.openxmlformats.org/officeDocument/2006/relationships" xmlns:p="http://schemas.openxmlformats.org/presentationml/2006/main" showMasterSp="0" type="title" preserve="1">
   <p:cSld name="Címdia">
@@ -309,7 +317,7 @@
           <a:p>
             <a:fld id="{6EA6B5DE-4244-4BAF-9091-D44D2E6C919D}" type="datetimeFigureOut">
               <a:rPr lang="hu-HU" smtClean="0"/>
-              <a:t>2023. 10. 27.</a:t>
+              <a:t>2023. 11. 05.</a:t>
             </a:fld>
             <a:endParaRPr lang="hu-HU"/>
           </a:p>
@@ -745,7 +753,7 @@
           <a:p>
             <a:fld id="{6EA6B5DE-4244-4BAF-9091-D44D2E6C919D}" type="datetimeFigureOut">
               <a:rPr lang="hu-HU" smtClean="0"/>
-              <a:t>2023. 10. 27.</a:t>
+              <a:t>2023. 11. 05.</a:t>
             </a:fld>
             <a:endParaRPr lang="hu-HU"/>
           </a:p>
@@ -995,7 +1003,7 @@
           <a:p>
             <a:fld id="{6EA6B5DE-4244-4BAF-9091-D44D2E6C919D}" type="datetimeFigureOut">
               <a:rPr lang="hu-HU" smtClean="0"/>
-              <a:t>2023. 10. 27.</a:t>
+              <a:t>2023. 11. 05.</a:t>
             </a:fld>
             <a:endParaRPr lang="hu-HU"/>
           </a:p>
@@ -1303,7 +1311,7 @@
           <a:p>
             <a:fld id="{6EA6B5DE-4244-4BAF-9091-D44D2E6C919D}" type="datetimeFigureOut">
               <a:rPr lang="hu-HU" smtClean="0"/>
-              <a:t>2023. 10. 27.</a:t>
+              <a:t>2023. 11. 05.</a:t>
             </a:fld>
             <a:endParaRPr lang="hu-HU"/>
           </a:p>
@@ -1621,7 +1629,7 @@
           <a:p>
             <a:fld id="{6EA6B5DE-4244-4BAF-9091-D44D2E6C919D}" type="datetimeFigureOut">
               <a:rPr lang="hu-HU" smtClean="0"/>
-              <a:t>2023. 10. 27.</a:t>
+              <a:t>2023. 11. 05.</a:t>
             </a:fld>
             <a:endParaRPr lang="hu-HU"/>
           </a:p>
@@ -1923,7 +1931,7 @@
           <a:p>
             <a:fld id="{6EA6B5DE-4244-4BAF-9091-D44D2E6C919D}" type="datetimeFigureOut">
               <a:rPr lang="hu-HU" smtClean="0"/>
-              <a:t>2023. 10. 27.</a:t>
+              <a:t>2023. 11. 05.</a:t>
             </a:fld>
             <a:endParaRPr lang="hu-HU"/>
           </a:p>
@@ -2290,7 +2298,7 @@
           <a:p>
             <a:fld id="{6EA6B5DE-4244-4BAF-9091-D44D2E6C919D}" type="datetimeFigureOut">
               <a:rPr lang="hu-HU" smtClean="0"/>
-              <a:t>2023. 10. 27.</a:t>
+              <a:t>2023. 11. 05.</a:t>
             </a:fld>
             <a:endParaRPr lang="hu-HU"/>
           </a:p>
@@ -2464,7 +2472,7 @@
           <a:p>
             <a:fld id="{6EA6B5DE-4244-4BAF-9091-D44D2E6C919D}" type="datetimeFigureOut">
               <a:rPr lang="hu-HU" smtClean="0"/>
-              <a:t>2023. 10. 27.</a:t>
+              <a:t>2023. 11. 05.</a:t>
             </a:fld>
             <a:endParaRPr lang="hu-HU"/>
           </a:p>
@@ -2644,7 +2652,7 @@
           <a:p>
             <a:fld id="{6EA6B5DE-4244-4BAF-9091-D44D2E6C919D}" type="datetimeFigureOut">
               <a:rPr lang="hu-HU" smtClean="0"/>
-              <a:t>2023. 10. 27.</a:t>
+              <a:t>2023. 11. 05.</a:t>
             </a:fld>
             <a:endParaRPr lang="hu-HU"/>
           </a:p>
@@ -2814,7 +2822,7 @@
           <a:p>
             <a:fld id="{6EA6B5DE-4244-4BAF-9091-D44D2E6C919D}" type="datetimeFigureOut">
               <a:rPr lang="hu-HU" smtClean="0"/>
-              <a:t>2023. 10. 27.</a:t>
+              <a:t>2023. 11. 05.</a:t>
             </a:fld>
             <a:endParaRPr lang="hu-HU"/>
           </a:p>
@@ -3064,7 +3072,7 @@
           <a:p>
             <a:fld id="{6EA6B5DE-4244-4BAF-9091-D44D2E6C919D}" type="datetimeFigureOut">
               <a:rPr lang="hu-HU" smtClean="0"/>
-              <a:t>2023. 10. 27.</a:t>
+              <a:t>2023. 11. 05.</a:t>
             </a:fld>
             <a:endParaRPr lang="hu-HU"/>
           </a:p>
@@ -3300,7 +3308,7 @@
           <a:p>
             <a:fld id="{6EA6B5DE-4244-4BAF-9091-D44D2E6C919D}" type="datetimeFigureOut">
               <a:rPr lang="hu-HU" smtClean="0"/>
-              <a:t>2023. 10. 27.</a:t>
+              <a:t>2023. 11. 05.</a:t>
             </a:fld>
             <a:endParaRPr lang="hu-HU"/>
           </a:p>
@@ -3682,7 +3690,7 @@
           <a:p>
             <a:fld id="{6EA6B5DE-4244-4BAF-9091-D44D2E6C919D}" type="datetimeFigureOut">
               <a:rPr lang="hu-HU" smtClean="0"/>
-              <a:t>2023. 10. 27.</a:t>
+              <a:t>2023. 11. 05.</a:t>
             </a:fld>
             <a:endParaRPr lang="hu-HU"/>
           </a:p>
@@ -3800,7 +3808,7 @@
           <a:p>
             <a:fld id="{6EA6B5DE-4244-4BAF-9091-D44D2E6C919D}" type="datetimeFigureOut">
               <a:rPr lang="hu-HU" smtClean="0"/>
-              <a:t>2023. 10. 27.</a:t>
+              <a:t>2023. 11. 05.</a:t>
             </a:fld>
             <a:endParaRPr lang="hu-HU"/>
           </a:p>
@@ -3895,7 +3903,7 @@
           <a:p>
             <a:fld id="{6EA6B5DE-4244-4BAF-9091-D44D2E6C919D}" type="datetimeFigureOut">
               <a:rPr lang="hu-HU" smtClean="0"/>
-              <a:t>2023. 10. 27.</a:t>
+              <a:t>2023. 11. 05.</a:t>
             </a:fld>
             <a:endParaRPr lang="hu-HU"/>
           </a:p>
@@ -4150,7 +4158,7 @@
           <a:p>
             <a:fld id="{6EA6B5DE-4244-4BAF-9091-D44D2E6C919D}" type="datetimeFigureOut">
               <a:rPr lang="hu-HU" smtClean="0"/>
-              <a:t>2023. 10. 27.</a:t>
+              <a:t>2023. 11. 05.</a:t>
             </a:fld>
             <a:endParaRPr lang="hu-HU"/>
           </a:p>
@@ -4433,7 +4441,7 @@
           <a:p>
             <a:fld id="{6EA6B5DE-4244-4BAF-9091-D44D2E6C919D}" type="datetimeFigureOut">
               <a:rPr lang="hu-HU" smtClean="0"/>
-              <a:t>2023. 10. 27.</a:t>
+              <a:t>2023. 11. 05.</a:t>
             </a:fld>
             <a:endParaRPr lang="hu-HU"/>
           </a:p>
@@ -4839,7 +4847,7 @@
           <a:p>
             <a:fld id="{6EA6B5DE-4244-4BAF-9091-D44D2E6C919D}" type="datetimeFigureOut">
               <a:rPr lang="hu-HU" smtClean="0"/>
-              <a:t>2023. 10. 27.</a:t>
+              <a:t>2023. 11. 05.</a:t>
             </a:fld>
             <a:endParaRPr lang="hu-HU"/>
           </a:p>
@@ -5397,7 +5405,7 @@
           <a:p>
             <a:r>
               <a:rPr lang="hu-HU" dirty="0"/>
-              <a:t>IKT Projekt - 2023</a:t>
+              <a:t>IKT Project - 2023</a:t>
             </a:r>
           </a:p>
         </p:txBody>
@@ -5483,27 +5491,91 @@
           </a:xfrm>
         </p:spPr>
         <p:txBody>
-          <a:bodyPr>
-            <a:normAutofit fontScale="90000"/>
+          <a:bodyPr vert="horz" lIns="91440" tIns="45720" rIns="91440" bIns="45720" rtlCol="0" anchor="b">
+            <a:noAutofit/>
           </a:bodyPr>
           <a:lstStyle/>
           <a:p>
             <a:r>
-              <a:rPr lang="hu-HU" dirty="0"/>
-              <a:t>Routerek, </a:t>
-            </a:r>
-            <a:r>
-              <a:rPr lang="hu-HU" dirty="0" err="1"/>
-              <a:t>Switchek</a:t>
-            </a:r>
-            <a:r>
-              <a:rPr lang="hu-HU" dirty="0"/>
-              <a:t> illetve digitális eszközök elhelyezése és csoportokra bontása.</a:t>
-            </a:r>
-            <a:br>
-              <a:rPr lang="hu-HU" dirty="0"/>
-            </a:br>
-            <a:endParaRPr lang="hu-HU" dirty="0"/>
+              <a:rPr lang="hu-HU" sz="3200" err="1">
+                <a:solidFill>
+                  <a:srgbClr val="374151"/>
+                </a:solidFill>
+                <a:ea typeface="+mj-lt"/>
+                <a:cs typeface="+mj-lt"/>
+              </a:rPr>
+              <a:t>Placement</a:t>
+            </a:r>
+            <a:r>
+              <a:rPr lang="hu-HU" sz="3200" dirty="0">
+                <a:solidFill>
+                  <a:srgbClr val="374151"/>
+                </a:solidFill>
+                <a:ea typeface="+mj-lt"/>
+                <a:cs typeface="+mj-lt"/>
+              </a:rPr>
+              <a:t> and Grouping of </a:t>
+            </a:r>
+            <a:r>
+              <a:rPr lang="hu-HU" sz="3200" err="1">
+                <a:solidFill>
+                  <a:srgbClr val="374151"/>
+                </a:solidFill>
+                <a:ea typeface="+mj-lt"/>
+                <a:cs typeface="+mj-lt"/>
+              </a:rPr>
+              <a:t>Routers</a:t>
+            </a:r>
+            <a:r>
+              <a:rPr lang="hu-HU" sz="3200" dirty="0">
+                <a:solidFill>
+                  <a:srgbClr val="374151"/>
+                </a:solidFill>
+                <a:ea typeface="+mj-lt"/>
+                <a:cs typeface="+mj-lt"/>
+              </a:rPr>
+              <a:t>, </a:t>
+            </a:r>
+            <a:r>
+              <a:rPr lang="hu-HU" sz="3200" err="1">
+                <a:solidFill>
+                  <a:srgbClr val="374151"/>
+                </a:solidFill>
+                <a:ea typeface="+mj-lt"/>
+                <a:cs typeface="+mj-lt"/>
+              </a:rPr>
+              <a:t>Switches</a:t>
+            </a:r>
+            <a:r>
+              <a:rPr lang="hu-HU" sz="3200" dirty="0">
+                <a:solidFill>
+                  <a:srgbClr val="374151"/>
+                </a:solidFill>
+                <a:ea typeface="+mj-lt"/>
+                <a:cs typeface="+mj-lt"/>
+              </a:rPr>
+              <a:t>, and Digital </a:t>
+            </a:r>
+            <a:r>
+              <a:rPr lang="hu-HU" sz="3200" err="1">
+                <a:solidFill>
+                  <a:srgbClr val="374151"/>
+                </a:solidFill>
+                <a:ea typeface="+mj-lt"/>
+                <a:cs typeface="+mj-lt"/>
+              </a:rPr>
+              <a:t>Devices</a:t>
+            </a:r>
+            <a:r>
+              <a:rPr lang="hu-HU" sz="3200" dirty="0">
+                <a:solidFill>
+                  <a:srgbClr val="374151"/>
+                </a:solidFill>
+                <a:ea typeface="+mj-lt"/>
+                <a:cs typeface="+mj-lt"/>
+              </a:rPr>
+              <a:t>.</a:t>
+            </a:r>
           </a:p>
         </p:txBody>
       </p:sp>
@@ -5595,17 +5667,95 @@
           </a:xfrm>
         </p:spPr>
         <p:txBody>
-          <a:bodyPr/>
-          <a:lstStyle/>
-          <a:p>
-            <a:r>
-              <a:rPr lang="hu-HU" dirty="0"/>
-              <a:t>Az eszközök megfelelő bekötése</a:t>
+          <a:bodyPr>
+            <a:normAutofit fontScale="90000"/>
+          </a:bodyPr>
+          <a:lstStyle/>
+          <a:p>
+            <a:r>
+              <a:rPr lang="hu-HU" sz="3200" err="1">
+                <a:solidFill>
+                  <a:srgbClr val="374151"/>
+                </a:solidFill>
+                <a:ea typeface="+mj-lt"/>
+                <a:cs typeface="+mj-lt"/>
+              </a:rPr>
+              <a:t>Proper</a:t>
+            </a:r>
+            <a:r>
+              <a:rPr lang="hu-HU" sz="3200" dirty="0">
+                <a:solidFill>
+                  <a:srgbClr val="374151"/>
+                </a:solidFill>
+                <a:ea typeface="+mj-lt"/>
+                <a:cs typeface="+mj-lt"/>
+              </a:rPr>
+              <a:t> </a:t>
+            </a:r>
+            <a:r>
+              <a:rPr lang="hu-HU" sz="3200" err="1">
+                <a:solidFill>
+                  <a:srgbClr val="374151"/>
+                </a:solidFill>
+                <a:ea typeface="+mj-lt"/>
+                <a:cs typeface="+mj-lt"/>
+              </a:rPr>
+              <a:t>Connection</a:t>
+            </a:r>
+            <a:r>
+              <a:rPr lang="hu-HU" sz="3200" dirty="0">
+                <a:solidFill>
+                  <a:srgbClr val="374151"/>
+                </a:solidFill>
+                <a:ea typeface="+mj-lt"/>
+                <a:cs typeface="+mj-lt"/>
+              </a:rPr>
+              <a:t> of </a:t>
+            </a:r>
+            <a:r>
+              <a:rPr lang="hu-HU" sz="3200" err="1">
+                <a:solidFill>
+                  <a:srgbClr val="374151"/>
+                </a:solidFill>
+                <a:ea typeface="+mj-lt"/>
+                <a:cs typeface="+mj-lt"/>
+              </a:rPr>
+              <a:t>the</a:t>
+            </a:r>
+            <a:r>
+              <a:rPr lang="hu-HU" sz="3200" dirty="0">
+                <a:solidFill>
+                  <a:srgbClr val="374151"/>
+                </a:solidFill>
+                <a:ea typeface="+mj-lt"/>
+                <a:cs typeface="+mj-lt"/>
+              </a:rPr>
+              <a:t> </a:t>
+            </a:r>
+            <a:r>
+              <a:rPr lang="hu-HU" sz="3200" err="1">
+                <a:solidFill>
+                  <a:srgbClr val="374151"/>
+                </a:solidFill>
+                <a:ea typeface="+mj-lt"/>
+                <a:cs typeface="+mj-lt"/>
+              </a:rPr>
+              <a:t>Devices</a:t>
+            </a:r>
+            <a:r>
+              <a:rPr lang="hu-HU" sz="3200" dirty="0">
+                <a:solidFill>
+                  <a:srgbClr val="374151"/>
+                </a:solidFill>
+                <a:ea typeface="+mj-lt"/>
+                <a:cs typeface="+mj-lt"/>
+              </a:rPr>
+              <a:t>.</a:t>
             </a:r>
             <a:br>
               <a:rPr lang="hu-HU" dirty="0"/>
             </a:br>
-            <a:endParaRPr lang="hu-HU" dirty="0"/>
+            <a:endParaRPr lang="hu-HU"/>
           </a:p>
         </p:txBody>
       </p:sp>
@@ -5692,21 +5842,55 @@
         </p:nvSpPr>
         <p:spPr/>
         <p:txBody>
-          <a:bodyPr/>
-          <a:lstStyle/>
-          <a:p>
-            <a:r>
-              <a:rPr lang="hu-HU" dirty="0" err="1"/>
-              <a:t>Ip</a:t>
-            </a:r>
-            <a:r>
-              <a:rPr lang="hu-HU" dirty="0"/>
-              <a:t> címek kiosztása</a:t>
+          <a:bodyPr>
+            <a:normAutofit fontScale="90000"/>
+          </a:bodyPr>
+          <a:lstStyle/>
+          <a:p>
+            <a:r>
+              <a:rPr lang="hu-HU" sz="3200" err="1">
+                <a:solidFill>
+                  <a:srgbClr val="374151"/>
+                </a:solidFill>
+                <a:ea typeface="+mj-lt"/>
+                <a:cs typeface="+mj-lt"/>
+              </a:rPr>
+              <a:t>Assigning</a:t>
+            </a:r>
+            <a:r>
+              <a:rPr lang="hu-HU" sz="3200" dirty="0">
+                <a:solidFill>
+                  <a:srgbClr val="374151"/>
+                </a:solidFill>
+                <a:ea typeface="+mj-lt"/>
+                <a:cs typeface="+mj-lt"/>
+              </a:rPr>
+              <a:t> IP </a:t>
+            </a:r>
+            <a:r>
+              <a:rPr lang="hu-HU" sz="3200" err="1">
+                <a:solidFill>
+                  <a:srgbClr val="374151"/>
+                </a:solidFill>
+                <a:ea typeface="+mj-lt"/>
+                <a:cs typeface="+mj-lt"/>
+              </a:rPr>
+              <a:t>Addresses</a:t>
+            </a:r>
+            <a:r>
+              <a:rPr lang="hu-HU" sz="3200" dirty="0">
+                <a:solidFill>
+                  <a:srgbClr val="374151"/>
+                </a:solidFill>
+                <a:ea typeface="+mj-lt"/>
+                <a:cs typeface="+mj-lt"/>
+              </a:rPr>
+              <a:t>.</a:t>
             </a:r>
             <a:br>
               <a:rPr lang="hu-HU" dirty="0"/>
             </a:br>
-            <a:endParaRPr lang="hu-HU" dirty="0"/>
+            <a:endParaRPr lang="hu-HU"/>
           </a:p>
         </p:txBody>
       </p:sp>
@@ -5840,21 +6024,89 @@
           <a:lstStyle/>
           <a:p>
             <a:r>
-              <a:rPr lang="hu-HU" dirty="0"/>
-              <a:t>A </a:t>
-            </a:r>
-            <a:r>
-              <a:rPr lang="hu-HU" dirty="0" err="1"/>
-              <a:t>wireless</a:t>
-            </a:r>
-            <a:r>
-              <a:rPr lang="hu-HU" dirty="0"/>
-              <a:t> eszközök megfelelő csatlakozása.</a:t>
+              <a:rPr lang="hu-HU" sz="3200" err="1">
+                <a:solidFill>
+                  <a:srgbClr val="374151"/>
+                </a:solidFill>
+                <a:ea typeface="+mj-lt"/>
+                <a:cs typeface="+mj-lt"/>
+              </a:rPr>
+              <a:t>Proper</a:t>
+            </a:r>
+            <a:r>
+              <a:rPr lang="hu-HU" sz="3200" dirty="0">
+                <a:solidFill>
+                  <a:srgbClr val="374151"/>
+                </a:solidFill>
+                <a:ea typeface="+mj-lt"/>
+                <a:cs typeface="+mj-lt"/>
+              </a:rPr>
+              <a:t> </a:t>
+            </a:r>
+            <a:r>
+              <a:rPr lang="hu-HU" sz="3200" err="1">
+                <a:solidFill>
+                  <a:srgbClr val="374151"/>
+                </a:solidFill>
+                <a:ea typeface="+mj-lt"/>
+                <a:cs typeface="+mj-lt"/>
+              </a:rPr>
+              <a:t>Connection</a:t>
+            </a:r>
+            <a:r>
+              <a:rPr lang="hu-HU" sz="3200" dirty="0">
+                <a:solidFill>
+                  <a:srgbClr val="374151"/>
+                </a:solidFill>
+                <a:ea typeface="+mj-lt"/>
+                <a:cs typeface="+mj-lt"/>
+              </a:rPr>
+              <a:t> of </a:t>
+            </a:r>
+            <a:r>
+              <a:rPr lang="hu-HU" sz="3200" err="1">
+                <a:solidFill>
+                  <a:srgbClr val="374151"/>
+                </a:solidFill>
+                <a:ea typeface="+mj-lt"/>
+                <a:cs typeface="+mj-lt"/>
+              </a:rPr>
+              <a:t>Wireless</a:t>
+            </a:r>
+            <a:r>
+              <a:rPr lang="hu-HU" sz="3200" dirty="0">
+                <a:solidFill>
+                  <a:srgbClr val="374151"/>
+                </a:solidFill>
+                <a:ea typeface="+mj-lt"/>
+                <a:cs typeface="+mj-lt"/>
+              </a:rPr>
+              <a:t> </a:t>
+            </a:r>
+            <a:r>
+              <a:rPr lang="hu-HU" sz="3200" err="1">
+                <a:solidFill>
+                  <a:srgbClr val="374151"/>
+                </a:solidFill>
+                <a:ea typeface="+mj-lt"/>
+                <a:cs typeface="+mj-lt"/>
+              </a:rPr>
+              <a:t>Devices</a:t>
+            </a:r>
+            <a:r>
+              <a:rPr lang="hu-HU" sz="3200" dirty="0">
+                <a:solidFill>
+                  <a:srgbClr val="374151"/>
+                </a:solidFill>
+                <a:ea typeface="+mj-lt"/>
+                <a:cs typeface="+mj-lt"/>
+              </a:rPr>
+              <a:t>.</a:t>
             </a:r>
             <a:br>
               <a:rPr lang="hu-HU" dirty="0"/>
             </a:br>
-            <a:endParaRPr lang="hu-HU" dirty="0"/>
+            <a:endParaRPr lang="hu-HU"/>
           </a:p>
         </p:txBody>
       </p:sp>
@@ -5982,13 +6234,72 @@
           </a:xfrm>
         </p:spPr>
         <p:txBody>
-          <a:bodyPr/>
-          <a:lstStyle/>
-          <a:p>
-            <a:r>
-              <a:rPr lang="hu-HU" dirty="0"/>
-              <a:t>Példaként: egy router konfigurálása</a:t>
-            </a:r>
+          <a:bodyPr vert="horz" lIns="91440" tIns="45720" rIns="91440" bIns="45720" rtlCol="0" anchor="b">
+            <a:noAutofit/>
+          </a:bodyPr>
+          <a:lstStyle/>
+          <a:p>
+            <a:r>
+              <a:rPr lang="hu-HU" sz="3200" err="1">
+                <a:solidFill>
+                  <a:srgbClr val="374151"/>
+                </a:solidFill>
+                <a:ea typeface="+mj-lt"/>
+                <a:cs typeface="+mj-lt"/>
+              </a:rPr>
+              <a:t>As</a:t>
+            </a:r>
+            <a:r>
+              <a:rPr lang="hu-HU" sz="3200" dirty="0">
+                <a:solidFill>
+                  <a:srgbClr val="374151"/>
+                </a:solidFill>
+                <a:ea typeface="+mj-lt"/>
+                <a:cs typeface="+mj-lt"/>
+              </a:rPr>
+              <a:t> an </a:t>
+            </a:r>
+            <a:r>
+              <a:rPr lang="hu-HU" sz="3200" err="1">
+                <a:solidFill>
+                  <a:srgbClr val="374151"/>
+                </a:solidFill>
+                <a:ea typeface="+mj-lt"/>
+                <a:cs typeface="+mj-lt"/>
+              </a:rPr>
+              <a:t>example</a:t>
+            </a:r>
+            <a:r>
+              <a:rPr lang="hu-HU" sz="3200" dirty="0">
+                <a:solidFill>
+                  <a:srgbClr val="374151"/>
+                </a:solidFill>
+                <a:ea typeface="+mj-lt"/>
+                <a:cs typeface="+mj-lt"/>
+              </a:rPr>
+              <a:t>: </a:t>
+            </a:r>
+            <a:r>
+              <a:rPr lang="hu-HU" sz="3200" err="1">
+                <a:solidFill>
+                  <a:srgbClr val="374151"/>
+                </a:solidFill>
+                <a:ea typeface="+mj-lt"/>
+                <a:cs typeface="+mj-lt"/>
+              </a:rPr>
+              <a:t>Configuring</a:t>
+            </a:r>
+            <a:r>
+              <a:rPr lang="hu-HU" sz="3200" dirty="0">
+                <a:solidFill>
+                  <a:srgbClr val="374151"/>
+                </a:solidFill>
+                <a:ea typeface="+mj-lt"/>
+                <a:cs typeface="+mj-lt"/>
+              </a:rPr>
+              <a:t> a Router.</a:t>
+            </a:r>
+            <a:endParaRPr lang="hu-HU" sz="3200" dirty="0"/>
           </a:p>
         </p:txBody>
       </p:sp>
